--- a/Fortune500_group6.pptx
+++ b/Fortune500_group6.pptx
@@ -10,7 +10,7 @@
     <p:sldId id="262" r:id="rId4"/>
     <p:sldId id="263" r:id="rId5"/>
     <p:sldId id="264" r:id="rId6"/>
-    <p:sldId id="257" r:id="rId7"/>
+    <p:sldId id="265" r:id="rId7"/>
   </p:sldIdLst>
   <p:sldSz cx="12192000" cy="6858000"/>
   <p:notesSz cx="6858000" cy="9144000"/>
@@ -286,7 +286,7 @@
           <a:p>
             <a:fld id="{FBE25C8A-C834-8040-B0F0-A792E8798128}" type="datetimeFigureOut">
               <a:rPr lang="en-US" smtClean="0"/>
-              <a:t>10/7/20</a:t>
+              <a:t>10/9/20</a:t>
             </a:fld>
             <a:endParaRPr lang="en-US"/>
           </a:p>
@@ -616,7 +616,7 @@
           <a:p>
             <a:fld id="{FBE25C8A-C834-8040-B0F0-A792E8798128}" type="datetimeFigureOut">
               <a:rPr lang="en-US" smtClean="0"/>
-              <a:t>10/7/20</a:t>
+              <a:t>10/9/20</a:t>
             </a:fld>
             <a:endParaRPr lang="en-US"/>
           </a:p>
@@ -796,7 +796,7 @@
           <a:p>
             <a:fld id="{FBE25C8A-C834-8040-B0F0-A792E8798128}" type="datetimeFigureOut">
               <a:rPr lang="en-US" smtClean="0"/>
-              <a:t>10/7/20</a:t>
+              <a:t>10/9/20</a:t>
             </a:fld>
             <a:endParaRPr lang="en-US"/>
           </a:p>
@@ -966,7 +966,7 @@
           <a:p>
             <a:fld id="{FBE25C8A-C834-8040-B0F0-A792E8798128}" type="datetimeFigureOut">
               <a:rPr lang="en-US" smtClean="0"/>
-              <a:t>10/7/20</a:t>
+              <a:t>10/9/20</a:t>
             </a:fld>
             <a:endParaRPr lang="en-US"/>
           </a:p>
@@ -1243,7 +1243,7 @@
           <a:p>
             <a:fld id="{FBE25C8A-C834-8040-B0F0-A792E8798128}" type="datetimeFigureOut">
               <a:rPr lang="en-US" smtClean="0"/>
-              <a:t>10/7/20</a:t>
+              <a:t>10/9/20</a:t>
             </a:fld>
             <a:endParaRPr lang="en-US"/>
           </a:p>
@@ -1637,7 +1637,7 @@
           <a:p>
             <a:fld id="{FBE25C8A-C834-8040-B0F0-A792E8798128}" type="datetimeFigureOut">
               <a:rPr lang="en-US" smtClean="0"/>
-              <a:t>10/7/20</a:t>
+              <a:t>10/9/20</a:t>
             </a:fld>
             <a:endParaRPr lang="en-US"/>
           </a:p>
@@ -2114,7 +2114,7 @@
           <a:p>
             <a:fld id="{FBE25C8A-C834-8040-B0F0-A792E8798128}" type="datetimeFigureOut">
               <a:rPr lang="en-US" smtClean="0"/>
-              <a:t>10/7/20</a:t>
+              <a:t>10/9/20</a:t>
             </a:fld>
             <a:endParaRPr lang="en-US"/>
           </a:p>
@@ -2232,7 +2232,7 @@
           <a:p>
             <a:fld id="{FBE25C8A-C834-8040-B0F0-A792E8798128}" type="datetimeFigureOut">
               <a:rPr lang="en-US" smtClean="0"/>
-              <a:t>10/7/20</a:t>
+              <a:t>10/9/20</a:t>
             </a:fld>
             <a:endParaRPr lang="en-US"/>
           </a:p>
@@ -2327,7 +2327,7 @@
           <a:p>
             <a:fld id="{FBE25C8A-C834-8040-B0F0-A792E8798128}" type="datetimeFigureOut">
               <a:rPr lang="en-US" smtClean="0"/>
-              <a:t>10/7/20</a:t>
+              <a:t>10/9/20</a:t>
             </a:fld>
             <a:endParaRPr lang="en-US"/>
           </a:p>
@@ -2673,7 +2673,7 @@
           <a:p>
             <a:fld id="{FBE25C8A-C834-8040-B0F0-A792E8798128}" type="datetimeFigureOut">
               <a:rPr lang="en-US" smtClean="0"/>
-              <a:t>10/7/20</a:t>
+              <a:t>10/9/20</a:t>
             </a:fld>
             <a:endParaRPr lang="en-US"/>
           </a:p>
@@ -3061,7 +3061,7 @@
           <a:p>
             <a:fld id="{FBE25C8A-C834-8040-B0F0-A792E8798128}" type="datetimeFigureOut">
               <a:rPr lang="en-US" smtClean="0"/>
-              <a:t>10/7/20</a:t>
+              <a:t>10/9/20</a:t>
             </a:fld>
             <a:endParaRPr lang="en-US"/>
           </a:p>
@@ -3339,7 +3339,7 @@
           <a:p>
             <a:fld id="{FBE25C8A-C834-8040-B0F0-A792E8798128}" type="datetimeFigureOut">
               <a:rPr lang="en-US" smtClean="0"/>
-              <a:t>10/7/20</a:t>
+              <a:t>10/9/20</a:t>
             </a:fld>
             <a:endParaRPr lang="en-US"/>
           </a:p>
@@ -4477,10 +4477,10 @@
           </a:bodyPr>
           <a:lstStyle/>
           <a:p>
-            <a:pPr algn="l"/>
-            <a:r>
-              <a:rPr lang="en-US" sz="4400" b="1"/>
-              <a:t>INTRODUCTION</a:t>
+            <a:pPr algn="just"/>
+            <a:r>
+              <a:rPr lang="en-US" sz="4400" b="1" dirty="0"/>
+              <a:t>			INTRODUCTION</a:t>
             </a:r>
           </a:p>
         </p:txBody>
@@ -4581,7 +4581,7 @@
             </a:pPr>
             <a:r>
               <a:rPr lang="en-US" sz="2100" dirty="0"/>
-              <a:t>You could be an investor doing a research on the stock prices. You might be searching for a sales lead. You could be a future entrepreneur. Or better yet you might be looking for a new job like us.</a:t>
+              <a:t>You could be an investor doing a research on the stock prices or sector analysis. You might be searching for a sales lead. You could be a future entrepreneur. Or better yet you might be looking for a new job like us.</a:t>
             </a:r>
           </a:p>
           <a:p>
@@ -4905,7 +4905,7 @@
         <p:spPr>
           <a:xfrm>
             <a:off x="1371600" y="1281916"/>
-            <a:ext cx="9601200" cy="1485900"/>
+            <a:ext cx="9601200" cy="1192927"/>
           </a:xfrm>
         </p:spPr>
         <p:txBody>
@@ -4914,10 +4914,10 @@
           </a:bodyPr>
           <a:lstStyle/>
           <a:p>
-            <a:pPr algn="l"/>
-            <a:r>
-              <a:rPr lang="en-US" sz="4400" b="1"/>
-              <a:t>INTRODUCTION</a:t>
+            <a:pPr algn="just"/>
+            <a:r>
+              <a:rPr lang="en-US" sz="4400" b="1" dirty="0"/>
+              <a:t>			INTRODUCTION</a:t>
             </a:r>
           </a:p>
         </p:txBody>
@@ -4934,8 +4934,8 @@
         </p:nvSpPr>
         <p:spPr>
           <a:xfrm>
-            <a:off x="1371600" y="2920620"/>
-            <a:ext cx="9601200" cy="2946779"/>
+            <a:off x="1371600" y="2474844"/>
+            <a:ext cx="9601200" cy="3392556"/>
           </a:xfrm>
         </p:spPr>
         <p:txBody>
@@ -4953,9 +4953,20 @@
               </a:spcAft>
             </a:pPr>
             <a:r>
-              <a:rPr lang="en-US" dirty="0"/>
-              <a:t>Get ready to explore the Fortune 500 visually. We have created interactive visualizations as below.</a:t>
-            </a:r>
+              <a:rPr lang="en-US" sz="2800" dirty="0"/>
+              <a:t>We have created the following interactive visualizations  </a:t>
+            </a:r>
+          </a:p>
+          <a:p>
+            <a:pPr indent="-384048">
+              <a:lnSpc>
+                <a:spcPct val="94000"/>
+              </a:lnSpc>
+              <a:spcAft>
+                <a:spcPts val="200"/>
+              </a:spcAft>
+            </a:pPr>
+            <a:endParaRPr lang="en-US" dirty="0"/>
           </a:p>
           <a:p>
             <a:pPr marL="457200" indent="-384048" algn="l">
@@ -5002,7 +5013,7 @@
             </a:pPr>
             <a:r>
               <a:rPr lang="en-US" dirty="0"/>
-              <a:t>With the sector analysis, you analyzes the financials at a sector level.</a:t>
+              <a:t>With the sector analysis, you  can do in-depth financial analysis at a sector level.</a:t>
             </a:r>
           </a:p>
         </p:txBody>
@@ -5023,6 +5034,17 @@
 <file path=ppt/slides/slide4.xml><?xml version="1.0" encoding="utf-8"?>
 <p:sld xmlns:a="http://schemas.openxmlformats.org/drawingml/2006/main" xmlns:r="http://schemas.openxmlformats.org/officeDocument/2006/relationships" xmlns:p="http://schemas.openxmlformats.org/presentationml/2006/main">
   <p:cSld>
+    <p:bg>
+      <p:bgPr>
+        <a:solidFill>
+          <a:schemeClr val="bg1">
+            <a:tint val="95000"/>
+            <a:satMod val="170000"/>
+          </a:schemeClr>
+        </a:solidFill>
+        <a:effectLst/>
+      </p:bgPr>
+    </p:bg>
     <p:spTree>
       <p:nvGrpSpPr>
         <p:cNvPr id="1" name=""/>
@@ -5039,6 +5061,260 @@
       </p:grpSpPr>
       <p:sp>
         <p:nvSpPr>
+          <p:cNvPr id="8" name="Rectangle 7">
+            <a:extLst>
+              <a:ext uri="{FF2B5EF4-FFF2-40B4-BE49-F238E27FC236}">
+                <a16:creationId xmlns:a16="http://schemas.microsoft.com/office/drawing/2014/main" id="{2A97F59D-628C-4053-B41F-489D0045FD5C}"/>
+              </a:ext>
+              <a:ext uri="{C183D7F6-B498-43B3-948B-1728B52AA6E4}">
+                <adec:decorative xmlns:adec="http://schemas.microsoft.com/office/drawing/2017/decorative" val="1"/>
+              </a:ext>
+            </a:extLst>
+          </p:cNvPr>
+          <p:cNvSpPr>
+            <a:spLocks noGrp="1" noRot="1" noChangeAspect="1" noMove="1" noResize="1" noEditPoints="1" noAdjustHandles="1" noChangeArrowheads="1" noChangeShapeType="1" noTextEdit="1"/>
+          </p:cNvSpPr>
+          <p:nvPr>
+            <p:extLst>
+              <p:ext uri="{386F3935-93C4-4BCD-93E2-E3B085C9AB24}">
+                <p16:designElem xmlns:p16="http://schemas.microsoft.com/office/powerpoint/2015/main" val="1"/>
+              </p:ext>
+            </p:extLst>
+          </p:nvPr>
+        </p:nvSpPr>
+        <p:spPr>
+          <a:xfrm>
+            <a:off x="478095" y="376"/>
+            <a:ext cx="228600" cy="6858000"/>
+          </a:xfrm>
+          <a:prstGeom prst="rect">
+            <a:avLst/>
+          </a:prstGeom>
+          <a:solidFill>
+            <a:schemeClr val="tx2"/>
+          </a:solidFill>
+          <a:ln>
+            <a:noFill/>
+          </a:ln>
+        </p:spPr>
+        <p:style>
+          <a:lnRef idx="2">
+            <a:schemeClr val="accent1">
+              <a:shade val="50000"/>
+            </a:schemeClr>
+          </a:lnRef>
+          <a:fillRef idx="1">
+            <a:schemeClr val="accent1"/>
+          </a:fillRef>
+          <a:effectRef idx="0">
+            <a:schemeClr val="accent1"/>
+          </a:effectRef>
+          <a:fontRef idx="minor">
+            <a:schemeClr val="lt1"/>
+          </a:fontRef>
+        </p:style>
+      </p:sp>
+      <p:sp>
+        <p:nvSpPr>
+          <p:cNvPr id="10" name="Rectangle 9">
+            <a:extLst>
+              <a:ext uri="{FF2B5EF4-FFF2-40B4-BE49-F238E27FC236}">
+                <a16:creationId xmlns:a16="http://schemas.microsoft.com/office/drawing/2014/main" id="{A14902AA-4E7E-4D93-A756-AC2EF9AAF932}"/>
+              </a:ext>
+              <a:ext uri="{C183D7F6-B498-43B3-948B-1728B52AA6E4}">
+                <adec:decorative xmlns:adec="http://schemas.microsoft.com/office/drawing/2017/decorative" val="1"/>
+              </a:ext>
+            </a:extLst>
+          </p:cNvPr>
+          <p:cNvSpPr>
+            <a:spLocks noGrp="1" noRot="1" noChangeAspect="1" noMove="1" noResize="1" noEditPoints="1" noAdjustHandles="1" noChangeArrowheads="1" noChangeShapeType="1" noTextEdit="1"/>
+          </p:cNvSpPr>
+          <p:nvPr>
+            <p:extLst>
+              <p:ext uri="{386F3935-93C4-4BCD-93E2-E3B085C9AB24}">
+                <p16:designElem xmlns:p16="http://schemas.microsoft.com/office/powerpoint/2015/main" val="1"/>
+              </p:ext>
+            </p:extLst>
+          </p:nvPr>
+        </p:nvSpPr>
+        <p:spPr>
+          <a:xfrm>
+            <a:off x="2" y="376"/>
+            <a:ext cx="12191998" cy="6857624"/>
+          </a:xfrm>
+          <a:prstGeom prst="rect">
+            <a:avLst/>
+          </a:prstGeom>
+          <a:solidFill>
+            <a:schemeClr val="accent1"/>
+          </a:solidFill>
+          <a:ln>
+            <a:noFill/>
+          </a:ln>
+        </p:spPr>
+        <p:style>
+          <a:lnRef idx="2">
+            <a:schemeClr val="accent1">
+              <a:shade val="50000"/>
+            </a:schemeClr>
+          </a:lnRef>
+          <a:fillRef idx="1">
+            <a:schemeClr val="accent1"/>
+          </a:fillRef>
+          <a:effectRef idx="0">
+            <a:schemeClr val="accent1"/>
+          </a:effectRef>
+          <a:fontRef idx="minor">
+            <a:schemeClr val="lt1"/>
+          </a:fontRef>
+        </p:style>
+        <p:txBody>
+          <a:bodyPr/>
+          <a:lstStyle/>
+          <a:p>
+            <a:endParaRPr lang="en-US" dirty="0"/>
+          </a:p>
+        </p:txBody>
+      </p:sp>
+      <p:sp>
+        <p:nvSpPr>
+          <p:cNvPr id="12" name="Freeform 6">
+            <a:extLst>
+              <a:ext uri="{FF2B5EF4-FFF2-40B4-BE49-F238E27FC236}">
+                <a16:creationId xmlns:a16="http://schemas.microsoft.com/office/drawing/2014/main" id="{AE0AE5A0-0098-4DC4-82DC-CCE4071B655B}"/>
+              </a:ext>
+              <a:ext uri="{C183D7F6-B498-43B3-948B-1728B52AA6E4}">
+                <adec:decorative xmlns:adec="http://schemas.microsoft.com/office/drawing/2017/decorative" val="1"/>
+              </a:ext>
+            </a:extLst>
+          </p:cNvPr>
+          <p:cNvSpPr>
+            <a:spLocks noGrp="1" noRot="1" noChangeAspect="1" noMove="1" noResize="1" noEditPoints="1" noAdjustHandles="1" noChangeArrowheads="1" noChangeShapeType="1" noTextEdit="1"/>
+          </p:cNvSpPr>
+          <p:nvPr>
+            <p:extLst>
+              <p:ext uri="{386F3935-93C4-4BCD-93E2-E3B085C9AB24}">
+                <p16:designElem xmlns:p16="http://schemas.microsoft.com/office/powerpoint/2015/main" val="1"/>
+              </p:ext>
+            </p:extLst>
+          </p:nvPr>
+        </p:nvSpPr>
+        <p:spPr bwMode="auto">
+          <a:xfrm flipH="1" flipV="1">
+            <a:off x="671285" y="626654"/>
+            <a:ext cx="3275668" cy="4408488"/>
+          </a:xfrm>
+          <a:custGeom>
+            <a:avLst/>
+            <a:gdLst/>
+            <a:ahLst/>
+            <a:cxnLst/>
+            <a:rect l="l" t="t" r="r" b="b"/>
+            <a:pathLst>
+              <a:path w="10002" h="10000">
+                <a:moveTo>
+                  <a:pt x="8763" y="0"/>
+                </a:moveTo>
+                <a:lnTo>
+                  <a:pt x="10002" y="0"/>
+                </a:lnTo>
+                <a:lnTo>
+                  <a:pt x="10002" y="10000"/>
+                </a:lnTo>
+                <a:lnTo>
+                  <a:pt x="2" y="10000"/>
+                </a:lnTo>
+                <a:cubicBezTo>
+                  <a:pt x="-2" y="9698"/>
+                  <a:pt x="4" y="9427"/>
+                  <a:pt x="0" y="9125"/>
+                </a:cubicBezTo>
+                <a:lnTo>
+                  <a:pt x="8763" y="9128"/>
+                </a:lnTo>
+                <a:lnTo>
+                  <a:pt x="8763" y="0"/>
+                </a:lnTo>
+                <a:close/>
+              </a:path>
+            </a:pathLst>
+          </a:custGeom>
+          <a:solidFill>
+            <a:schemeClr val="accent1">
+              <a:lumMod val="75000"/>
+            </a:schemeClr>
+          </a:solidFill>
+          <a:ln w="0">
+            <a:noFill/>
+            <a:prstDash val="solid"/>
+            <a:round/>
+            <a:headEnd/>
+            <a:tailEnd/>
+          </a:ln>
+        </p:spPr>
+      </p:sp>
+      <p:sp useBgFill="1">
+        <p:nvSpPr>
+          <p:cNvPr id="14" name="Rectangle 13">
+            <a:extLst>
+              <a:ext uri="{FF2B5EF4-FFF2-40B4-BE49-F238E27FC236}">
+                <a16:creationId xmlns:a16="http://schemas.microsoft.com/office/drawing/2014/main" id="{B6D28670-6E3D-4F4B-AD22-EFA33BF3CA29}"/>
+              </a:ext>
+              <a:ext uri="{C183D7F6-B498-43B3-948B-1728B52AA6E4}">
+                <adec:decorative xmlns:adec="http://schemas.microsoft.com/office/drawing/2017/decorative" val="1"/>
+              </a:ext>
+            </a:extLst>
+          </p:cNvPr>
+          <p:cNvSpPr>
+            <a:spLocks noGrp="1" noRot="1" noChangeAspect="1" noMove="1" noResize="1" noEditPoints="1" noAdjustHandles="1" noChangeArrowheads="1" noChangeShapeType="1" noTextEdit="1"/>
+          </p:cNvSpPr>
+          <p:nvPr>
+            <p:extLst>
+              <p:ext uri="{386F3935-93C4-4BCD-93E2-E3B085C9AB24}">
+                <p16:designElem xmlns:p16="http://schemas.microsoft.com/office/powerpoint/2015/main" val="1"/>
+              </p:ext>
+            </p:extLst>
+          </p:nvPr>
+        </p:nvSpPr>
+        <p:spPr>
+          <a:xfrm>
+            <a:off x="1076632" y="1010265"/>
+            <a:ext cx="11115368" cy="5847734"/>
+          </a:xfrm>
+          <a:prstGeom prst="rect">
+            <a:avLst/>
+          </a:prstGeom>
+          <a:ln>
+            <a:noFill/>
+          </a:ln>
+        </p:spPr>
+        <p:style>
+          <a:lnRef idx="2">
+            <a:schemeClr val="accent1">
+              <a:shade val="50000"/>
+            </a:schemeClr>
+          </a:lnRef>
+          <a:fillRef idx="1001">
+            <a:schemeClr val="lt2"/>
+          </a:fillRef>
+          <a:effectRef idx="0">
+            <a:schemeClr val="accent1"/>
+          </a:effectRef>
+          <a:fontRef idx="minor">
+            <a:schemeClr val="lt1"/>
+          </a:fontRef>
+        </p:style>
+        <p:txBody>
+          <a:bodyPr rtlCol="0" anchor="ctr"/>
+          <a:lstStyle/>
+          <a:p>
+            <a:pPr algn="ctr"/>
+            <a:endParaRPr lang="en-US"/>
+          </a:p>
+        </p:txBody>
+      </p:sp>
+      <p:sp>
+        <p:nvSpPr>
           <p:cNvPr id="2" name="Title 1"/>
           <p:cNvSpPr>
             <a:spLocks noGrp="1"/>
@@ -5049,8 +5325,8 @@
         </p:nvSpPr>
         <p:spPr>
           <a:xfrm>
-            <a:off x="1494430" y="1398897"/>
-            <a:ext cx="9325970" cy="708200"/>
+            <a:off x="1371600" y="1281916"/>
+            <a:ext cx="9601200" cy="1485900"/>
           </a:xfrm>
         </p:spPr>
         <p:txBody>
@@ -5062,7 +5338,7 @@
             <a:pPr algn="l"/>
             <a:r>
               <a:rPr lang="en-US" sz="4400" b="1" dirty="0"/>
-              <a:t>Data MUNCHING AND LOAD</a:t>
+              <a:t>Data MUNGING AND LOAD</a:t>
             </a:r>
           </a:p>
         </p:txBody>
@@ -5079,8 +5355,8 @@
         </p:nvSpPr>
         <p:spPr>
           <a:xfrm>
-            <a:off x="1494430" y="2107097"/>
-            <a:ext cx="9325970" cy="3579469"/>
+            <a:off x="1371600" y="2920620"/>
+            <a:ext cx="9601200" cy="2946779"/>
           </a:xfrm>
         </p:spPr>
         <p:txBody>
@@ -5098,59 +5374,83 @@
               </a:spcAft>
             </a:pPr>
             <a:r>
-              <a:rPr lang="en-US" sz="1600" b="1" dirty="0"/>
+              <a:rPr lang="en-US" sz="1300" b="1" dirty="0"/>
               <a:t>DATA SOURCES:</a:t>
             </a:r>
           </a:p>
           <a:p>
-            <a:pPr marL="457200" lvl="0" indent="-457200" algn="l">
-              <a:buFont typeface="+mj-lt"/>
+            <a:pPr marL="457200" lvl="0" indent="-384048" algn="l">
+              <a:lnSpc>
+                <a:spcPct val="94000"/>
+              </a:lnSpc>
+              <a:spcAft>
+                <a:spcPts val="200"/>
+              </a:spcAft>
+              <a:buFont typeface="Franklin Gothic Book" panose="020B0503020102020204" pitchFamily="34" charset="0"/>
               <a:buAutoNum type="arabicPeriod"/>
             </a:pPr>
             <a:r>
-              <a:rPr lang="en-US" sz="1400" b="1" u="sng" dirty="0">
+              <a:rPr lang="en-US" sz="1300" b="1" u="sng" dirty="0">
                 <a:hlinkClick r:id="rId2"/>
               </a:rPr>
               <a:t>https://www.someka.net/excel-template/fortune-500-excel-list/#reviews</a:t>
             </a:r>
-            <a:endParaRPr lang="en-US" sz="1400" dirty="0"/>
-          </a:p>
-          <a:p>
-            <a:pPr marL="457200" lvl="0" indent="-457200" algn="l">
-              <a:buFont typeface="+mj-lt"/>
+            <a:endParaRPr lang="en-US" sz="1300" dirty="0"/>
+          </a:p>
+          <a:p>
+            <a:pPr marL="457200" lvl="0" indent="-384048" algn="l">
+              <a:lnSpc>
+                <a:spcPct val="94000"/>
+              </a:lnSpc>
+              <a:spcAft>
+                <a:spcPts val="200"/>
+              </a:spcAft>
+              <a:buFont typeface="Franklin Gothic Book" panose="020B0503020102020204" pitchFamily="34" charset="0"/>
               <a:buAutoNum type="arabicPeriod"/>
             </a:pPr>
             <a:r>
-              <a:rPr lang="en-US" sz="1400" b="1" u="sng" dirty="0">
+              <a:rPr lang="en-US" sz="1300" b="1" u="sng" dirty="0">
                 <a:hlinkClick r:id="rId3"/>
               </a:rPr>
               <a:t>https://www.kaggle.com/Eruditepanda/fortune-1000-2018</a:t>
             </a:r>
             <a:r>
-              <a:rPr lang="en-US" sz="1400" b="1" dirty="0"/>
+              <a:rPr lang="en-US" sz="1300" b="1" dirty="0"/>
               <a:t> </a:t>
             </a:r>
-            <a:endParaRPr lang="en-US" sz="1400" dirty="0"/>
-          </a:p>
-          <a:p>
-            <a:pPr marL="457200" lvl="0" indent="-457200" algn="l">
-              <a:buFont typeface="+mj-lt"/>
+            <a:endParaRPr lang="en-US" sz="1300" dirty="0"/>
+          </a:p>
+          <a:p>
+            <a:pPr marL="457200" lvl="0" indent="-384048" algn="l">
+              <a:lnSpc>
+                <a:spcPct val="94000"/>
+              </a:lnSpc>
+              <a:spcAft>
+                <a:spcPts val="200"/>
+              </a:spcAft>
+              <a:buFont typeface="Franklin Gothic Book" panose="020B0503020102020204" pitchFamily="34" charset="0"/>
               <a:buAutoNum type="arabicPeriod"/>
             </a:pPr>
             <a:r>
-              <a:rPr lang="en-US" sz="1400" b="1" u="sng" dirty="0">
+              <a:rPr lang="en-US" sz="1300" b="1" u="sng" dirty="0">
                 <a:hlinkClick r:id="rId4"/>
               </a:rPr>
               <a:t>https://finance.yahoo.com</a:t>
             </a:r>
-            <a:endParaRPr lang="en-US" sz="1400" b="1" u="sng" dirty="0"/>
-          </a:p>
-          <a:p>
-            <a:pPr marL="457200" lvl="0" indent="-457200" algn="l">
-              <a:buFont typeface="+mj-lt"/>
+            <a:endParaRPr lang="en-US" sz="1300" b="1" u="sng" dirty="0"/>
+          </a:p>
+          <a:p>
+            <a:pPr marL="457200" lvl="0" indent="-384048" algn="l">
+              <a:lnSpc>
+                <a:spcPct val="94000"/>
+              </a:lnSpc>
+              <a:spcAft>
+                <a:spcPts val="200"/>
+              </a:spcAft>
+              <a:buFont typeface="Franklin Gothic Book" panose="020B0503020102020204" pitchFamily="34" charset="0"/>
               <a:buAutoNum type="arabicPeriod"/>
             </a:pPr>
-            <a:endParaRPr lang="en-US" sz="1400" dirty="0"/>
+            <a:endParaRPr lang="en-US" sz="1300" dirty="0"/>
           </a:p>
           <a:p>
             <a:pPr indent="-384048" algn="l">
@@ -5162,11 +5462,11 @@
               </a:spcAft>
             </a:pPr>
             <a:r>
-              <a:rPr lang="en-US" sz="1600" b="1" dirty="0"/>
+              <a:rPr lang="en-US" sz="1300" b="1" dirty="0"/>
               <a:t>DATABASE: </a:t>
             </a:r>
             <a:r>
-              <a:rPr lang="en-US" sz="1600" dirty="0"/>
+              <a:rPr lang="en-US" sz="1300" dirty="0"/>
               <a:t>MONGO DB</a:t>
             </a:r>
           </a:p>
@@ -5179,7 +5479,7 @@
                 <a:spcPts val="200"/>
               </a:spcAft>
             </a:pPr>
-            <a:endParaRPr lang="en-US" sz="1600" dirty="0"/>
+            <a:endParaRPr lang="en-US" sz="1300" dirty="0"/>
           </a:p>
           <a:p>
             <a:pPr indent="-384048" algn="l">
@@ -5190,7 +5490,126 @@
                 <a:spcPts val="200"/>
               </a:spcAft>
             </a:pPr>
-            <a:endParaRPr lang="en-US" sz="1600" dirty="0"/>
+            <a:r>
+              <a:rPr lang="en-US" sz="1300" b="1" dirty="0"/>
+              <a:t>DATA LOAD AND CLEANSING:</a:t>
+            </a:r>
+          </a:p>
+          <a:p>
+            <a:pPr indent="-384048" algn="l">
+              <a:lnSpc>
+                <a:spcPct val="94000"/>
+              </a:lnSpc>
+              <a:spcAft>
+                <a:spcPts val="200"/>
+              </a:spcAft>
+              <a:buFont typeface="Franklin Gothic Book" panose="020B0503020102020204" pitchFamily="34" charset="0"/>
+              <a:buChar char="•"/>
+            </a:pPr>
+            <a:r>
+              <a:rPr lang="en-US" sz="1300" b="1" dirty="0"/>
+              <a:t>The  two CSV files with fortune 500 company information is loaded to Mongo DB using pandas. The data is cleaned to include only relevant information. The two dataframes were merged on the company name.</a:t>
+            </a:r>
+          </a:p>
+          <a:p>
+            <a:pPr indent="-384048" algn="l">
+              <a:lnSpc>
+                <a:spcPct val="94000"/>
+              </a:lnSpc>
+              <a:spcAft>
+                <a:spcPts val="200"/>
+              </a:spcAft>
+            </a:pPr>
+            <a:endParaRPr lang="en-US" sz="1300" b="1" dirty="0"/>
+          </a:p>
+          <a:p>
+            <a:pPr indent="-384048" algn="l">
+              <a:lnSpc>
+                <a:spcPct val="94000"/>
+              </a:lnSpc>
+              <a:spcAft>
+                <a:spcPts val="200"/>
+              </a:spcAft>
+              <a:buFont typeface="Franklin Gothic Book" panose="020B0503020102020204" pitchFamily="34" charset="0"/>
+              <a:buChar char="•"/>
+            </a:pPr>
+            <a:r>
+              <a:rPr lang="en-US" sz="1300" b="1" dirty="0"/>
+              <a:t>For stock data- We are reading the latest daily stock data using pandas </a:t>
+            </a:r>
+            <a:r>
+              <a:rPr lang="en-US" sz="1300" b="1" dirty="0" err="1"/>
+              <a:t>datareader</a:t>
+            </a:r>
+            <a:r>
+              <a:rPr lang="en-US" sz="1300" b="1" dirty="0"/>
+              <a:t>  from yahoo finance. The stock data is dynamically loaded to the mongo DB using </a:t>
+            </a:r>
+            <a:r>
+              <a:rPr lang="en-US" sz="1300" b="1" dirty="0" err="1"/>
+              <a:t>before_first_request</a:t>
+            </a:r>
+            <a:r>
+              <a:rPr lang="en-US" sz="1300" b="1" dirty="0"/>
+              <a:t> route in app.py .</a:t>
+            </a:r>
+          </a:p>
+          <a:p>
+            <a:pPr indent="-384048" algn="l">
+              <a:lnSpc>
+                <a:spcPct val="94000"/>
+              </a:lnSpc>
+              <a:spcAft>
+                <a:spcPts val="200"/>
+              </a:spcAft>
+              <a:buFont typeface="Franklin Gothic Book" panose="020B0503020102020204" pitchFamily="34" charset="0"/>
+              <a:buChar char="•"/>
+            </a:pPr>
+            <a:endParaRPr lang="en-US" sz="1300" b="1" dirty="0"/>
+          </a:p>
+          <a:p>
+            <a:pPr indent="-384048" algn="l">
+              <a:lnSpc>
+                <a:spcPct val="94000"/>
+              </a:lnSpc>
+              <a:spcAft>
+                <a:spcPts val="200"/>
+              </a:spcAft>
+            </a:pPr>
+            <a:endParaRPr lang="en-US" sz="1300" b="1" dirty="0"/>
+          </a:p>
+          <a:p>
+            <a:pPr indent="-384048" algn="l">
+              <a:lnSpc>
+                <a:spcPct val="94000"/>
+              </a:lnSpc>
+              <a:spcAft>
+                <a:spcPts val="200"/>
+              </a:spcAft>
+            </a:pPr>
+            <a:endParaRPr lang="en-US" sz="1300" dirty="0"/>
+          </a:p>
+          <a:p>
+            <a:pPr indent="-384048" algn="l">
+              <a:lnSpc>
+                <a:spcPct val="94000"/>
+              </a:lnSpc>
+              <a:spcAft>
+                <a:spcPts val="200"/>
+              </a:spcAft>
+            </a:pPr>
+            <a:endParaRPr lang="en-US" sz="1300" dirty="0"/>
+          </a:p>
+          <a:p>
+            <a:pPr indent="-384048" algn="l">
+              <a:lnSpc>
+                <a:spcPct val="94000"/>
+              </a:lnSpc>
+              <a:spcAft>
+                <a:spcPts val="200"/>
+              </a:spcAft>
+            </a:pPr>
+            <a:endParaRPr lang="en-US" sz="1300" dirty="0"/>
           </a:p>
         </p:txBody>
       </p:sp>
@@ -5202,7 +5621,7 @@
     </p:extLst>
   </p:cSld>
   <p:clrMapOvr>
-    <a:masterClrMapping/>
+    <a:overrideClrMapping bg1="dk1" tx1="lt1" bg2="dk2" tx2="lt2" accent1="accent1" accent2="accent2" accent3="accent3" accent4="accent4" accent5="accent5" accent6="accent6" hlink="hlink" folHlink="folHlink"/>
   </p:clrMapOvr>
 </p:sld>
 </file>
@@ -5210,6 +5629,17 @@
 <file path=ppt/slides/slide5.xml><?xml version="1.0" encoding="utf-8"?>
 <p:sld xmlns:a="http://schemas.openxmlformats.org/drawingml/2006/main" xmlns:r="http://schemas.openxmlformats.org/officeDocument/2006/relationships" xmlns:p="http://schemas.openxmlformats.org/presentationml/2006/main">
   <p:cSld>
+    <p:bg>
+      <p:bgPr>
+        <a:solidFill>
+          <a:schemeClr val="bg1">
+            <a:tint val="95000"/>
+            <a:satMod val="170000"/>
+          </a:schemeClr>
+        </a:solidFill>
+        <a:effectLst/>
+      </p:bgPr>
+    </p:bg>
     <p:spTree>
       <p:nvGrpSpPr>
         <p:cNvPr id="1" name=""/>
@@ -5226,6 +5656,260 @@
       </p:grpSpPr>
       <p:sp>
         <p:nvSpPr>
+          <p:cNvPr id="8" name="Rectangle 7">
+            <a:extLst>
+              <a:ext uri="{FF2B5EF4-FFF2-40B4-BE49-F238E27FC236}">
+                <a16:creationId xmlns:a16="http://schemas.microsoft.com/office/drawing/2014/main" id="{2A97F59D-628C-4053-B41F-489D0045FD5C}"/>
+              </a:ext>
+              <a:ext uri="{C183D7F6-B498-43B3-948B-1728B52AA6E4}">
+                <adec:decorative xmlns:adec="http://schemas.microsoft.com/office/drawing/2017/decorative" val="1"/>
+              </a:ext>
+            </a:extLst>
+          </p:cNvPr>
+          <p:cNvSpPr>
+            <a:spLocks noGrp="1" noRot="1" noChangeAspect="1" noMove="1" noResize="1" noEditPoints="1" noAdjustHandles="1" noChangeArrowheads="1" noChangeShapeType="1" noTextEdit="1"/>
+          </p:cNvSpPr>
+          <p:nvPr>
+            <p:extLst>
+              <p:ext uri="{386F3935-93C4-4BCD-93E2-E3B085C9AB24}">
+                <p16:designElem xmlns:p16="http://schemas.microsoft.com/office/powerpoint/2015/main" val="1"/>
+              </p:ext>
+            </p:extLst>
+          </p:nvPr>
+        </p:nvSpPr>
+        <p:spPr>
+          <a:xfrm>
+            <a:off x="478095" y="376"/>
+            <a:ext cx="228600" cy="6858000"/>
+          </a:xfrm>
+          <a:prstGeom prst="rect">
+            <a:avLst/>
+          </a:prstGeom>
+          <a:solidFill>
+            <a:schemeClr val="tx2"/>
+          </a:solidFill>
+          <a:ln>
+            <a:noFill/>
+          </a:ln>
+        </p:spPr>
+        <p:style>
+          <a:lnRef idx="2">
+            <a:schemeClr val="accent1">
+              <a:shade val="50000"/>
+            </a:schemeClr>
+          </a:lnRef>
+          <a:fillRef idx="1">
+            <a:schemeClr val="accent1"/>
+          </a:fillRef>
+          <a:effectRef idx="0">
+            <a:schemeClr val="accent1"/>
+          </a:effectRef>
+          <a:fontRef idx="minor">
+            <a:schemeClr val="lt1"/>
+          </a:fontRef>
+        </p:style>
+      </p:sp>
+      <p:sp>
+        <p:nvSpPr>
+          <p:cNvPr id="10" name="Rectangle 9">
+            <a:extLst>
+              <a:ext uri="{FF2B5EF4-FFF2-40B4-BE49-F238E27FC236}">
+                <a16:creationId xmlns:a16="http://schemas.microsoft.com/office/drawing/2014/main" id="{A14902AA-4E7E-4D93-A756-AC2EF9AAF932}"/>
+              </a:ext>
+              <a:ext uri="{C183D7F6-B498-43B3-948B-1728B52AA6E4}">
+                <adec:decorative xmlns:adec="http://schemas.microsoft.com/office/drawing/2017/decorative" val="1"/>
+              </a:ext>
+            </a:extLst>
+          </p:cNvPr>
+          <p:cNvSpPr>
+            <a:spLocks noGrp="1" noRot="1" noChangeAspect="1" noMove="1" noResize="1" noEditPoints="1" noAdjustHandles="1" noChangeArrowheads="1" noChangeShapeType="1" noTextEdit="1"/>
+          </p:cNvSpPr>
+          <p:nvPr>
+            <p:extLst>
+              <p:ext uri="{386F3935-93C4-4BCD-93E2-E3B085C9AB24}">
+                <p16:designElem xmlns:p16="http://schemas.microsoft.com/office/powerpoint/2015/main" val="1"/>
+              </p:ext>
+            </p:extLst>
+          </p:nvPr>
+        </p:nvSpPr>
+        <p:spPr>
+          <a:xfrm>
+            <a:off x="0" y="376"/>
+            <a:ext cx="12191998" cy="6857624"/>
+          </a:xfrm>
+          <a:prstGeom prst="rect">
+            <a:avLst/>
+          </a:prstGeom>
+          <a:solidFill>
+            <a:schemeClr val="accent1"/>
+          </a:solidFill>
+          <a:ln>
+            <a:noFill/>
+          </a:ln>
+        </p:spPr>
+        <p:style>
+          <a:lnRef idx="2">
+            <a:schemeClr val="accent1">
+              <a:shade val="50000"/>
+            </a:schemeClr>
+          </a:lnRef>
+          <a:fillRef idx="1">
+            <a:schemeClr val="accent1"/>
+          </a:fillRef>
+          <a:effectRef idx="0">
+            <a:schemeClr val="accent1"/>
+          </a:effectRef>
+          <a:fontRef idx="minor">
+            <a:schemeClr val="lt1"/>
+          </a:fontRef>
+        </p:style>
+        <p:txBody>
+          <a:bodyPr/>
+          <a:lstStyle/>
+          <a:p>
+            <a:endParaRPr lang="en-US" dirty="0"/>
+          </a:p>
+        </p:txBody>
+      </p:sp>
+      <p:sp>
+        <p:nvSpPr>
+          <p:cNvPr id="12" name="Freeform 6">
+            <a:extLst>
+              <a:ext uri="{FF2B5EF4-FFF2-40B4-BE49-F238E27FC236}">
+                <a16:creationId xmlns:a16="http://schemas.microsoft.com/office/drawing/2014/main" id="{AE0AE5A0-0098-4DC4-82DC-CCE4071B655B}"/>
+              </a:ext>
+              <a:ext uri="{C183D7F6-B498-43B3-948B-1728B52AA6E4}">
+                <adec:decorative xmlns:adec="http://schemas.microsoft.com/office/drawing/2017/decorative" val="1"/>
+              </a:ext>
+            </a:extLst>
+          </p:cNvPr>
+          <p:cNvSpPr>
+            <a:spLocks noGrp="1" noRot="1" noChangeAspect="1" noMove="1" noResize="1" noEditPoints="1" noAdjustHandles="1" noChangeArrowheads="1" noChangeShapeType="1" noTextEdit="1"/>
+          </p:cNvSpPr>
+          <p:nvPr>
+            <p:extLst>
+              <p:ext uri="{386F3935-93C4-4BCD-93E2-E3B085C9AB24}">
+                <p16:designElem xmlns:p16="http://schemas.microsoft.com/office/powerpoint/2015/main" val="1"/>
+              </p:ext>
+            </p:extLst>
+          </p:nvPr>
+        </p:nvSpPr>
+        <p:spPr bwMode="auto">
+          <a:xfrm flipV="1">
+            <a:off x="8299640" y="626654"/>
+            <a:ext cx="3275668" cy="4408488"/>
+          </a:xfrm>
+          <a:custGeom>
+            <a:avLst/>
+            <a:gdLst/>
+            <a:ahLst/>
+            <a:cxnLst/>
+            <a:rect l="l" t="t" r="r" b="b"/>
+            <a:pathLst>
+              <a:path w="10002" h="10000">
+                <a:moveTo>
+                  <a:pt x="8763" y="0"/>
+                </a:moveTo>
+                <a:lnTo>
+                  <a:pt x="10002" y="0"/>
+                </a:lnTo>
+                <a:lnTo>
+                  <a:pt x="10002" y="10000"/>
+                </a:lnTo>
+                <a:lnTo>
+                  <a:pt x="2" y="10000"/>
+                </a:lnTo>
+                <a:cubicBezTo>
+                  <a:pt x="-2" y="9698"/>
+                  <a:pt x="4" y="9427"/>
+                  <a:pt x="0" y="9125"/>
+                </a:cubicBezTo>
+                <a:lnTo>
+                  <a:pt x="8763" y="9128"/>
+                </a:lnTo>
+                <a:lnTo>
+                  <a:pt x="8763" y="0"/>
+                </a:lnTo>
+                <a:close/>
+              </a:path>
+            </a:pathLst>
+          </a:custGeom>
+          <a:solidFill>
+            <a:schemeClr val="accent1">
+              <a:lumMod val="75000"/>
+            </a:schemeClr>
+          </a:solidFill>
+          <a:ln w="0">
+            <a:noFill/>
+            <a:prstDash val="solid"/>
+            <a:round/>
+            <a:headEnd/>
+            <a:tailEnd/>
+          </a:ln>
+        </p:spPr>
+      </p:sp>
+      <p:sp useBgFill="1">
+        <p:nvSpPr>
+          <p:cNvPr id="14" name="Rectangle 13">
+            <a:extLst>
+              <a:ext uri="{FF2B5EF4-FFF2-40B4-BE49-F238E27FC236}">
+                <a16:creationId xmlns:a16="http://schemas.microsoft.com/office/drawing/2014/main" id="{B6D28670-6E3D-4F4B-AD22-EFA33BF3CA29}"/>
+              </a:ext>
+              <a:ext uri="{C183D7F6-B498-43B3-948B-1728B52AA6E4}">
+                <adec:decorative xmlns:adec="http://schemas.microsoft.com/office/drawing/2017/decorative" val="1"/>
+              </a:ext>
+            </a:extLst>
+          </p:cNvPr>
+          <p:cNvSpPr>
+            <a:spLocks noGrp="1" noRot="1" noChangeAspect="1" noMove="1" noResize="1" noEditPoints="1" noAdjustHandles="1" noChangeArrowheads="1" noChangeShapeType="1" noTextEdit="1"/>
+          </p:cNvSpPr>
+          <p:nvPr>
+            <p:extLst>
+              <p:ext uri="{386F3935-93C4-4BCD-93E2-E3B085C9AB24}">
+                <p16:designElem xmlns:p16="http://schemas.microsoft.com/office/powerpoint/2015/main" val="1"/>
+              </p:ext>
+            </p:extLst>
+          </p:nvPr>
+        </p:nvSpPr>
+        <p:spPr>
+          <a:xfrm>
+            <a:off x="1010266" y="1010266"/>
+            <a:ext cx="10171466" cy="4857133"/>
+          </a:xfrm>
+          <a:prstGeom prst="rect">
+            <a:avLst/>
+          </a:prstGeom>
+          <a:ln>
+            <a:noFill/>
+          </a:ln>
+        </p:spPr>
+        <p:style>
+          <a:lnRef idx="2">
+            <a:schemeClr val="accent1">
+              <a:shade val="50000"/>
+            </a:schemeClr>
+          </a:lnRef>
+          <a:fillRef idx="1001">
+            <a:schemeClr val="lt2"/>
+          </a:fillRef>
+          <a:effectRef idx="0">
+            <a:schemeClr val="accent1"/>
+          </a:effectRef>
+          <a:fontRef idx="minor">
+            <a:schemeClr val="lt1"/>
+          </a:fontRef>
+        </p:style>
+        <p:txBody>
+          <a:bodyPr rtlCol="0" anchor="ctr"/>
+          <a:lstStyle/>
+          <a:p>
+            <a:pPr algn="ctr"/>
+            <a:endParaRPr lang="en-US"/>
+          </a:p>
+        </p:txBody>
+      </p:sp>
+      <p:sp>
+        <p:nvSpPr>
           <p:cNvPr id="2" name="Title 1"/>
           <p:cNvSpPr>
             <a:spLocks noGrp="1"/>
@@ -5236,8 +5920,8 @@
         </p:nvSpPr>
         <p:spPr>
           <a:xfrm>
-            <a:off x="1371600" y="1281916"/>
-            <a:ext cx="9601200" cy="1485900"/>
+            <a:off x="1494430" y="1398896"/>
+            <a:ext cx="9325970" cy="1160059"/>
           </a:xfrm>
         </p:spPr>
         <p:txBody>
@@ -5248,8 +5932,8 @@
           <a:p>
             <a:pPr algn="l"/>
             <a:r>
-              <a:rPr lang="en-US" sz="4400" b="1"/>
-              <a:t>INTRODUCTION</a:t>
+              <a:rPr lang="en-US" sz="4400" b="1" dirty="0"/>
+              <a:t>Coding approach</a:t>
             </a:r>
           </a:p>
         </p:txBody>
@@ -5266,17 +5950,49 @@
         </p:nvSpPr>
         <p:spPr>
           <a:xfrm>
-            <a:off x="1371600" y="2920620"/>
-            <a:ext cx="9601200" cy="2946779"/>
+            <a:off x="1494430" y="2739787"/>
+            <a:ext cx="9325970" cy="2946779"/>
           </a:xfrm>
         </p:spPr>
         <p:txBody>
           <a:bodyPr vert="horz" lIns="91440" tIns="45720" rIns="91440" bIns="45720" rtlCol="0">
-            <a:normAutofit/>
+            <a:normAutofit lnSpcReduction="10000"/>
           </a:bodyPr>
           <a:lstStyle/>
           <a:p>
-            <a:pPr indent="-384048">
+            <a:pPr indent="-384048" algn="l">
+              <a:lnSpc>
+                <a:spcPct val="94000"/>
+              </a:lnSpc>
+              <a:spcAft>
+                <a:spcPts val="200"/>
+              </a:spcAft>
+              <a:buFont typeface="Franklin Gothic Book" panose="020B0503020102020204" pitchFamily="34" charset="0"/>
+              <a:buChar char="•"/>
+            </a:pPr>
+            <a:r>
+              <a:rPr lang="en-US" sz="2100" dirty="0"/>
+              <a:t>Python flask and pymongo to set up mongo connection and get the data from the mongo DB. And app routes to get the json response to render the web pages.</a:t>
+            </a:r>
+          </a:p>
+          <a:p>
+            <a:pPr indent="-384048" algn="l">
+              <a:lnSpc>
+                <a:spcPct val="94000"/>
+              </a:lnSpc>
+              <a:spcAft>
+                <a:spcPts val="200"/>
+              </a:spcAft>
+              <a:buFont typeface="Franklin Gothic Book" panose="020B0503020102020204" pitchFamily="34" charset="0"/>
+              <a:buChar char="•"/>
+            </a:pPr>
+            <a:r>
+              <a:rPr lang="en-US" sz="2100" dirty="0"/>
+              <a:t>HTML/CSS and JavaScript for the frontend  and visualization logics.</a:t>
+            </a:r>
+          </a:p>
+          <a:p>
+            <a:pPr indent="-384048" algn="l">
               <a:lnSpc>
                 <a:spcPct val="94000"/>
               </a:lnSpc>
@@ -5285,12 +6001,103 @@
               </a:spcAft>
             </a:pPr>
             <a:r>
-              <a:rPr lang="en-US" dirty="0"/>
-              <a:t>Get ready to explore the Fortune 500 visually. We have created interactive visualizations as below.</a:t>
-            </a:r>
-          </a:p>
-          <a:p>
-            <a:pPr marL="457200" indent="-384048" algn="l">
+              <a:rPr lang="en-US" sz="2100" dirty="0"/>
+              <a:t>Java script libraries used </a:t>
+            </a:r>
+          </a:p>
+          <a:p>
+            <a:pPr marL="73152" indent="-457200" algn="l">
+              <a:lnSpc>
+                <a:spcPct val="94000"/>
+              </a:lnSpc>
+              <a:spcAft>
+                <a:spcPts val="200"/>
+              </a:spcAft>
+              <a:buFont typeface="Arial" panose="020B0604020202020204" pitchFamily="34" charset="0"/>
+              <a:buChar char="•"/>
+            </a:pPr>
+            <a:r>
+              <a:rPr lang="en-US" sz="2100" dirty="0"/>
+              <a:t>D3							</a:t>
+            </a:r>
+          </a:p>
+          <a:p>
+            <a:pPr marL="457200" indent="-457200" algn="l">
+              <a:lnSpc>
+                <a:spcPct val="94000"/>
+              </a:lnSpc>
+              <a:spcAft>
+                <a:spcPts val="200"/>
+              </a:spcAft>
+              <a:buFont typeface="Arial" panose="020B0604020202020204" pitchFamily="34" charset="0"/>
+              <a:buChar char="•"/>
+            </a:pPr>
+            <a:r>
+              <a:rPr lang="en-US" sz="2100" dirty="0"/>
+              <a:t>Leaflet</a:t>
+            </a:r>
+          </a:p>
+          <a:p>
+            <a:pPr marL="457200" indent="-457200" algn="l">
+              <a:lnSpc>
+                <a:spcPct val="94000"/>
+              </a:lnSpc>
+              <a:spcAft>
+                <a:spcPts val="200"/>
+              </a:spcAft>
+              <a:buFont typeface="Arial" panose="020B0604020202020204" pitchFamily="34" charset="0"/>
+              <a:buChar char="•"/>
+            </a:pPr>
+            <a:r>
+              <a:rPr lang="en-US" sz="2100" dirty="0"/>
+              <a:t>Marker cluster</a:t>
+            </a:r>
+          </a:p>
+          <a:p>
+            <a:pPr marL="457200" indent="-457200" algn="l">
+              <a:lnSpc>
+                <a:spcPct val="94000"/>
+              </a:lnSpc>
+              <a:spcAft>
+                <a:spcPts val="200"/>
+              </a:spcAft>
+              <a:buFont typeface="Arial" panose="020B0604020202020204" pitchFamily="34" charset="0"/>
+              <a:buChar char="•"/>
+            </a:pPr>
+            <a:r>
+              <a:rPr lang="en-US" sz="2100" dirty="0"/>
+              <a:t>jquery</a:t>
+            </a:r>
+          </a:p>
+          <a:p>
+            <a:pPr marL="457200" indent="-457200" algn="l">
+              <a:lnSpc>
+                <a:spcPct val="94000"/>
+              </a:lnSpc>
+              <a:spcAft>
+                <a:spcPts val="200"/>
+              </a:spcAft>
+              <a:buFont typeface="Arial" panose="020B0604020202020204" pitchFamily="34" charset="0"/>
+              <a:buChar char="•"/>
+            </a:pPr>
+            <a:r>
+              <a:rPr lang="en-US" sz="2100" dirty="0"/>
+              <a:t>Fusion charts</a:t>
+            </a:r>
+          </a:p>
+          <a:p>
+            <a:pPr algn="l">
+              <a:lnSpc>
+                <a:spcPct val="94000"/>
+              </a:lnSpc>
+              <a:spcAft>
+                <a:spcPts val="200"/>
+              </a:spcAft>
+            </a:pPr>
+            <a:endParaRPr lang="en-US" sz="2100" dirty="0"/>
+          </a:p>
+          <a:p>
+            <a:pPr indent="-384048" algn="l">
               <a:lnSpc>
                 <a:spcPct val="94000"/>
               </a:lnSpc>
@@ -5298,15 +6105,12 @@
                 <a:spcPts val="200"/>
               </a:spcAft>
               <a:buFont typeface="Franklin Gothic Book" panose="020B0503020102020204" pitchFamily="34" charset="0"/>
-              <a:buAutoNum type="arabicPeriod"/>
+              <a:buChar char="•"/>
             </a:pPr>
-            <a:r>
-              <a:rPr lang="en-US" dirty="0"/>
-              <a:t>With the map, you can find the U.S. headquarters for each company on the list. </a:t>
-            </a:r>
-          </a:p>
-          <a:p>
-            <a:pPr marL="457200" indent="-384048" algn="l">
+            <a:endParaRPr lang="en-US" sz="2100" dirty="0"/>
+          </a:p>
+          <a:p>
+            <a:pPr indent="-384048" algn="l">
               <a:lnSpc>
                 <a:spcPct val="94000"/>
               </a:lnSpc>
@@ -5314,15 +6118,12 @@
                 <a:spcPts val="200"/>
               </a:spcAft>
               <a:buFont typeface="Franklin Gothic Book" panose="020B0503020102020204" pitchFamily="34" charset="0"/>
-              <a:buAutoNum type="arabicPeriod"/>
+              <a:buChar char="•"/>
             </a:pPr>
-            <a:r>
-              <a:rPr lang="en-US" dirty="0"/>
-              <a:t>With stock analysis, you can analyze the top five fortune 500</a:t>
-            </a:r>
-          </a:p>
-          <a:p>
-            <a:pPr marL="457200" indent="-384048" algn="l">
+            <a:endParaRPr lang="en-US" sz="2100" dirty="0"/>
+          </a:p>
+          <a:p>
+            <a:pPr indent="-384048" algn="l">
               <a:lnSpc>
                 <a:spcPct val="94000"/>
               </a:lnSpc>
@@ -5330,12 +6131,22 @@
                 <a:spcPts val="200"/>
               </a:spcAft>
               <a:buFont typeface="Franklin Gothic Book" panose="020B0503020102020204" pitchFamily="34" charset="0"/>
-              <a:buAutoNum type="arabicPeriod"/>
+              <a:buChar char="•"/>
             </a:pPr>
-            <a:r>
-              <a:rPr lang="en-US" dirty="0"/>
-              <a:t>With the sector analysis, you can explore the various plots which analyzes the financials at a sector level.</a:t>
-            </a:r>
+            <a:endParaRPr lang="en-US" sz="2100" dirty="0"/>
+          </a:p>
+          <a:p>
+            <a:pPr indent="-384048" algn="l">
+              <a:lnSpc>
+                <a:spcPct val="94000"/>
+              </a:lnSpc>
+              <a:spcAft>
+                <a:spcPts val="200"/>
+              </a:spcAft>
+              <a:buFont typeface="Franklin Gothic Book" panose="020B0503020102020204" pitchFamily="34" charset="0"/>
+              <a:buChar char="•"/>
+            </a:pPr>
+            <a:endParaRPr lang="en-US" sz="2100" dirty="0"/>
           </a:p>
         </p:txBody>
       </p:sp>
@@ -5347,7 +6158,7 @@
     </p:extLst>
   </p:cSld>
   <p:clrMapOvr>
-    <a:masterClrMapping/>
+    <a:overrideClrMapping bg1="dk1" tx1="lt1" bg2="dk2" tx2="lt2" accent1="accent1" accent2="accent2" accent3="accent3" accent4="accent4" accent5="accent5" accent6="accent6" hlink="hlink" folHlink="folHlink"/>
   </p:clrMapOvr>
 </p:sld>
 </file>
@@ -5355,6 +6166,14 @@
 <file path=ppt/slides/slide6.xml><?xml version="1.0" encoding="utf-8"?>
 <p:sld xmlns:a="http://schemas.openxmlformats.org/drawingml/2006/main" xmlns:r="http://schemas.openxmlformats.org/officeDocument/2006/relationships" xmlns:p="http://schemas.openxmlformats.org/presentationml/2006/main">
   <p:cSld>
+    <p:bg>
+      <p:bgPr>
+        <a:solidFill>
+          <a:schemeClr val="bg2"/>
+        </a:solidFill>
+        <a:effectLst/>
+      </p:bgPr>
+    </p:bg>
     <p:spTree>
       <p:nvGrpSpPr>
         <p:cNvPr id="1" name=""/>
@@ -5371,47 +6190,604 @@
       </p:grpSpPr>
       <p:sp>
         <p:nvSpPr>
+          <p:cNvPr id="19" name="Rectangle 18">
+            <a:extLst>
+              <a:ext uri="{FF2B5EF4-FFF2-40B4-BE49-F238E27FC236}">
+                <a16:creationId xmlns:a16="http://schemas.microsoft.com/office/drawing/2014/main" id="{0E880B70-9045-4B1E-A61A-E849BE8C838F}"/>
+              </a:ext>
+              <a:ext uri="{C183D7F6-B498-43B3-948B-1728B52AA6E4}">
+                <adec:decorative xmlns:adec="http://schemas.microsoft.com/office/drawing/2017/decorative" val="1"/>
+              </a:ext>
+            </a:extLst>
+          </p:cNvPr>
+          <p:cNvSpPr>
+            <a:spLocks noGrp="1" noRot="1" noChangeAspect="1" noMove="1" noResize="1" noEditPoints="1" noAdjustHandles="1" noChangeArrowheads="1" noChangeShapeType="1" noTextEdit="1"/>
+          </p:cNvSpPr>
+          <p:nvPr>
+            <p:extLst>
+              <p:ext uri="{386F3935-93C4-4BCD-93E2-E3B085C9AB24}">
+                <p16:designElem xmlns:p16="http://schemas.microsoft.com/office/powerpoint/2015/main" val="1"/>
+              </p:ext>
+            </p:extLst>
+          </p:nvPr>
+        </p:nvSpPr>
+        <p:spPr>
+          <a:xfrm>
+            <a:off x="478095" y="376"/>
+            <a:ext cx="228600" cy="6858000"/>
+          </a:xfrm>
+          <a:prstGeom prst="rect">
+            <a:avLst/>
+          </a:prstGeom>
+          <a:solidFill>
+            <a:schemeClr val="tx2"/>
+          </a:solidFill>
+          <a:ln>
+            <a:noFill/>
+          </a:ln>
+        </p:spPr>
+        <p:style>
+          <a:lnRef idx="2">
+            <a:schemeClr val="accent1">
+              <a:shade val="50000"/>
+            </a:schemeClr>
+          </a:lnRef>
+          <a:fillRef idx="1">
+            <a:schemeClr val="accent1"/>
+          </a:fillRef>
+          <a:effectRef idx="0">
+            <a:schemeClr val="accent1"/>
+          </a:effectRef>
+          <a:fontRef idx="minor">
+            <a:schemeClr val="lt1"/>
+          </a:fontRef>
+        </p:style>
+      </p:sp>
+      <p:sp useBgFill="1">
+        <p:nvSpPr>
+          <p:cNvPr id="21" name="Rectangle 20">
+            <a:extLst>
+              <a:ext uri="{FF2B5EF4-FFF2-40B4-BE49-F238E27FC236}">
+                <a16:creationId xmlns:a16="http://schemas.microsoft.com/office/drawing/2014/main" id="{D9D9D0AB-1E2F-44A8-B9C6-FA4098301883}"/>
+              </a:ext>
+              <a:ext uri="{C183D7F6-B498-43B3-948B-1728B52AA6E4}">
+                <adec:decorative xmlns:adec="http://schemas.microsoft.com/office/drawing/2017/decorative" val="1"/>
+              </a:ext>
+            </a:extLst>
+          </p:cNvPr>
+          <p:cNvSpPr>
+            <a:spLocks noGrp="1" noRot="1" noChangeAspect="1" noMove="1" noResize="1" noEditPoints="1" noAdjustHandles="1" noChangeArrowheads="1" noChangeShapeType="1" noTextEdit="1"/>
+          </p:cNvSpPr>
+          <p:nvPr>
+            <p:extLst>
+              <p:ext uri="{386F3935-93C4-4BCD-93E2-E3B085C9AB24}">
+                <p16:designElem xmlns:p16="http://schemas.microsoft.com/office/powerpoint/2015/main" val="1"/>
+              </p:ext>
+            </p:extLst>
+          </p:nvPr>
+        </p:nvSpPr>
+        <p:spPr>
+          <a:xfrm>
+            <a:off x="0" y="0"/>
+            <a:ext cx="12192000" cy="6858000"/>
+          </a:xfrm>
+          <a:prstGeom prst="rect">
+            <a:avLst/>
+          </a:prstGeom>
+          <a:ln>
+            <a:noFill/>
+          </a:ln>
+        </p:spPr>
+        <p:style>
+          <a:lnRef idx="2">
+            <a:schemeClr val="accent1">
+              <a:shade val="50000"/>
+            </a:schemeClr>
+          </a:lnRef>
+          <a:fillRef idx="1">
+            <a:schemeClr val="accent1"/>
+          </a:fillRef>
+          <a:effectRef idx="0">
+            <a:schemeClr val="accent1"/>
+          </a:effectRef>
+          <a:fontRef idx="minor">
+            <a:schemeClr val="lt1"/>
+          </a:fontRef>
+        </p:style>
+        <p:txBody>
+          <a:bodyPr rtlCol="0" anchor="ctr"/>
+          <a:lstStyle/>
+          <a:p>
+            <a:pPr algn="ctr"/>
+            <a:endParaRPr lang="en-US"/>
+          </a:p>
+        </p:txBody>
+      </p:sp>
+      <p:sp>
+        <p:nvSpPr>
           <p:cNvPr id="2" name="Title 1"/>
           <p:cNvSpPr>
             <a:spLocks noGrp="1"/>
           </p:cNvSpPr>
           <p:nvPr>
-            <p:ph type="title"/>
-          </p:nvPr>
-        </p:nvSpPr>
-        <p:spPr/>
-        <p:txBody>
-          <a:bodyPr/>
+            <p:ph type="ctrTitle"/>
+          </p:nvPr>
+        </p:nvSpPr>
+        <p:spPr>
+          <a:xfrm>
+            <a:off x="903514" y="3665054"/>
+            <a:ext cx="9697586" cy="1048459"/>
+          </a:xfrm>
+        </p:spPr>
+        <p:txBody>
+          <a:bodyPr vert="horz" lIns="91440" tIns="45720" rIns="91440" bIns="45720" rtlCol="0" anchor="ctr">
+            <a:normAutofit/>
+          </a:bodyPr>
           <a:lstStyle/>
           <a:p>
+            <a:pPr algn="l"/>
+            <a:r>
+              <a:rPr lang="en-US" sz="3100"/>
+              <a:t>Get ready to explore the Fortune 500 visually. </a:t>
+            </a:r>
+            <a:br>
+              <a:rPr lang="en-US" sz="3100"/>
+            </a:br>
+            <a:endParaRPr lang="en-US" sz="3100" b="1"/>
+          </a:p>
+        </p:txBody>
+      </p:sp>
+      <p:pic>
+        <p:nvPicPr>
+          <p:cNvPr id="7" name="Picture 6" descr="Chart&#10;&#10;Description automatically generated">
+            <a:extLst>
+              <a:ext uri="{FF2B5EF4-FFF2-40B4-BE49-F238E27FC236}">
+                <a16:creationId xmlns:a16="http://schemas.microsoft.com/office/drawing/2014/main" id="{5D0D8CA4-5EF1-1846-B47C-7373DCE50920}"/>
+              </a:ext>
+            </a:extLst>
+          </p:cNvPr>
+          <p:cNvPicPr>
+            <a:picLocks noChangeAspect="1"/>
+          </p:cNvPicPr>
+          <p:nvPr/>
+        </p:nvPicPr>
+        <p:blipFill>
+          <a:blip r:embed="rId2"/>
+          <a:stretch>
+            <a:fillRect/>
+          </a:stretch>
+        </p:blipFill>
+        <p:spPr>
+          <a:xfrm>
+            <a:off x="613675" y="1120458"/>
+            <a:ext cx="2718377" cy="2331009"/>
+          </a:xfrm>
+          <a:prstGeom prst="rect">
+            <a:avLst/>
+          </a:prstGeom>
+        </p:spPr>
+      </p:pic>
+      <p:sp>
+        <p:nvSpPr>
+          <p:cNvPr id="23" name="Freeform: Shape 22">
+            <a:extLst>
+              <a:ext uri="{FF2B5EF4-FFF2-40B4-BE49-F238E27FC236}">
+                <a16:creationId xmlns:a16="http://schemas.microsoft.com/office/drawing/2014/main" id="{00106F80-B138-4C27-AEAE-350D5506E64F}"/>
+              </a:ext>
+              <a:ext uri="{C183D7F6-B498-43B3-948B-1728B52AA6E4}">
+                <adec:decorative xmlns:adec="http://schemas.microsoft.com/office/drawing/2017/decorative" val="1"/>
+              </a:ext>
+            </a:extLst>
+          </p:cNvPr>
+          <p:cNvSpPr>
+            <a:spLocks noGrp="1" noRot="1" noChangeAspect="1" noMove="1" noResize="1" noEditPoints="1" noAdjustHandles="1" noChangeArrowheads="1" noChangeShapeType="1" noTextEdit="1"/>
+          </p:cNvSpPr>
+          <p:nvPr>
+            <p:extLst>
+              <p:ext uri="{386F3935-93C4-4BCD-93E2-E3B085C9AB24}">
+                <p16:designElem xmlns:p16="http://schemas.microsoft.com/office/powerpoint/2015/main" val="1"/>
+              </p:ext>
+            </p:extLst>
+          </p:nvPr>
+        </p:nvSpPr>
+        <p:spPr bwMode="auto">
+          <a:xfrm flipV="1">
+            <a:off x="1611062" y="710273"/>
+            <a:ext cx="2308583" cy="2084882"/>
+          </a:xfrm>
+          <a:custGeom>
+            <a:avLst/>
+            <a:gdLst>
+              <a:gd name="connsiteX0" fmla="*/ 462 w 2308583"/>
+              <a:gd name="connsiteY0" fmla="*/ 2084882 h 2084882"/>
+              <a:gd name="connsiteX1" fmla="*/ 2308583 w 2308583"/>
+              <a:gd name="connsiteY1" fmla="*/ 2084882 h 2084882"/>
+              <a:gd name="connsiteX2" fmla="*/ 2308583 w 2308583"/>
+              <a:gd name="connsiteY2" fmla="*/ 0 h 2084882"/>
+              <a:gd name="connsiteX3" fmla="*/ 2022607 w 2308583"/>
+              <a:gd name="connsiteY3" fmla="*/ 0 h 2084882"/>
+              <a:gd name="connsiteX4" fmla="*/ 2022607 w 2308583"/>
+              <a:gd name="connsiteY4" fmla="*/ 1813955 h 2084882"/>
+              <a:gd name="connsiteX5" fmla="*/ 0 w 2308583"/>
+              <a:gd name="connsiteY5" fmla="*/ 1813023 h 2084882"/>
+              <a:gd name="connsiteX6" fmla="*/ 462 w 2308583"/>
+              <a:gd name="connsiteY6" fmla="*/ 2084882 h 2084882"/>
+            </a:gdLst>
+            <a:ahLst/>
+            <a:cxnLst>
+              <a:cxn ang="0">
+                <a:pos x="connsiteX0" y="connsiteY0"/>
+              </a:cxn>
+              <a:cxn ang="0">
+                <a:pos x="connsiteX1" y="connsiteY1"/>
+              </a:cxn>
+              <a:cxn ang="0">
+                <a:pos x="connsiteX2" y="connsiteY2"/>
+              </a:cxn>
+              <a:cxn ang="0">
+                <a:pos x="connsiteX3" y="connsiteY3"/>
+              </a:cxn>
+              <a:cxn ang="0">
+                <a:pos x="connsiteX4" y="connsiteY4"/>
+              </a:cxn>
+              <a:cxn ang="0">
+                <a:pos x="connsiteX5" y="connsiteY5"/>
+              </a:cxn>
+              <a:cxn ang="0">
+                <a:pos x="connsiteX6" y="connsiteY6"/>
+              </a:cxn>
+            </a:cxnLst>
+            <a:rect l="l" t="t" r="r" b="b"/>
+            <a:pathLst>
+              <a:path w="2308583" h="2084882">
+                <a:moveTo>
+                  <a:pt x="462" y="2084882"/>
+                </a:moveTo>
+                <a:lnTo>
+                  <a:pt x="2308583" y="2084882"/>
+                </a:lnTo>
+                <a:lnTo>
+                  <a:pt x="2308583" y="0"/>
+                </a:lnTo>
+                <a:lnTo>
+                  <a:pt x="2022607" y="0"/>
+                </a:lnTo>
+                <a:lnTo>
+                  <a:pt x="2022607" y="1813955"/>
+                </a:lnTo>
+                <a:lnTo>
+                  <a:pt x="0" y="1813023"/>
+                </a:lnTo>
+                <a:cubicBezTo>
+                  <a:pt x="923" y="1906853"/>
+                  <a:pt x="-462" y="1991052"/>
+                  <a:pt x="462" y="2084882"/>
+                </a:cubicBezTo>
+                <a:close/>
+              </a:path>
+            </a:pathLst>
+          </a:custGeom>
+          <a:solidFill>
+            <a:schemeClr val="tx1">
+              <a:lumMod val="75000"/>
+              <a:lumOff val="25000"/>
+            </a:schemeClr>
+          </a:solidFill>
+          <a:ln w="0">
+            <a:noFill/>
+            <a:prstDash val="solid"/>
+            <a:round/>
+            <a:headEnd/>
+            <a:tailEnd/>
+          </a:ln>
+        </p:spPr>
+      </p:sp>
+      <p:pic>
+        <p:nvPicPr>
+          <p:cNvPr id="5" name="Picture 4" descr="Map&#10;&#10;Description automatically generated">
+            <a:extLst>
+              <a:ext uri="{FF2B5EF4-FFF2-40B4-BE49-F238E27FC236}">
+                <a16:creationId xmlns:a16="http://schemas.microsoft.com/office/drawing/2014/main" id="{8177D673-9506-764D-BD47-46A657F8C545}"/>
+              </a:ext>
+            </a:extLst>
+          </p:cNvPr>
+          <p:cNvPicPr>
+            <a:picLocks noChangeAspect="1"/>
+          </p:cNvPicPr>
+          <p:nvPr/>
+        </p:nvPicPr>
+        <p:blipFill>
+          <a:blip r:embed="rId3"/>
+          <a:stretch>
+            <a:fillRect/>
+          </a:stretch>
+        </p:blipFill>
+        <p:spPr>
+          <a:xfrm>
+            <a:off x="4359418" y="701818"/>
+            <a:ext cx="3496387" cy="2727182"/>
+          </a:xfrm>
+          <a:prstGeom prst="rect">
+            <a:avLst/>
+          </a:prstGeom>
+        </p:spPr>
+      </p:pic>
+      <p:pic>
+        <p:nvPicPr>
+          <p:cNvPr id="13" name="Picture 12" descr="Chart, histogram&#10;&#10;Description automatically generated">
+            <a:extLst>
+              <a:ext uri="{FF2B5EF4-FFF2-40B4-BE49-F238E27FC236}">
+                <a16:creationId xmlns:a16="http://schemas.microsoft.com/office/drawing/2014/main" id="{99278512-3CB6-514D-8C90-E3C8345C2B2B}"/>
+              </a:ext>
+            </a:extLst>
+          </p:cNvPr>
+          <p:cNvPicPr>
+            <a:picLocks noChangeAspect="1"/>
+          </p:cNvPicPr>
+          <p:nvPr/>
+        </p:nvPicPr>
+        <p:blipFill>
+          <a:blip r:embed="rId4"/>
+          <a:stretch>
+            <a:fillRect/>
+          </a:stretch>
+        </p:blipFill>
+        <p:spPr>
+          <a:xfrm>
+            <a:off x="8870130" y="710273"/>
+            <a:ext cx="2698011" cy="2367505"/>
+          </a:xfrm>
+          <a:prstGeom prst="rect">
+            <a:avLst/>
+          </a:prstGeom>
+        </p:spPr>
+      </p:pic>
+      <p:sp>
+        <p:nvSpPr>
+          <p:cNvPr id="25" name="Freeform: Shape 24">
+            <a:extLst>
+              <a:ext uri="{FF2B5EF4-FFF2-40B4-BE49-F238E27FC236}">
+                <a16:creationId xmlns:a16="http://schemas.microsoft.com/office/drawing/2014/main" id="{DABC7F38-C8B8-4C20-82BE-82A52FF9C7E3}"/>
+              </a:ext>
+              <a:ext uri="{C183D7F6-B498-43B3-948B-1728B52AA6E4}">
+                <adec:decorative xmlns:adec="http://schemas.microsoft.com/office/drawing/2017/decorative" val="1"/>
+              </a:ext>
+            </a:extLst>
+          </p:cNvPr>
+          <p:cNvSpPr>
+            <a:spLocks noGrp="1" noRot="1" noChangeAspect="1" noMove="1" noResize="1" noEditPoints="1" noAdjustHandles="1" noChangeArrowheads="1" noChangeShapeType="1" noTextEdit="1"/>
+          </p:cNvSpPr>
+          <p:nvPr>
+            <p:extLst>
+              <p:ext uri="{386F3935-93C4-4BCD-93E2-E3B085C9AB24}">
+                <p16:designElem xmlns:p16="http://schemas.microsoft.com/office/powerpoint/2015/main" val="1"/>
+              </p:ext>
+            </p:extLst>
+          </p:nvPr>
+        </p:nvSpPr>
+        <p:spPr bwMode="auto">
+          <a:xfrm flipH="1">
+            <a:off x="8292517" y="1071683"/>
+            <a:ext cx="2308583" cy="2379788"/>
+          </a:xfrm>
+          <a:custGeom>
+            <a:avLst/>
+            <a:gdLst>
+              <a:gd name="connsiteX0" fmla="*/ 2308583 w 2308583"/>
+              <a:gd name="connsiteY0" fmla="*/ 0 h 2379788"/>
+              <a:gd name="connsiteX1" fmla="*/ 2022607 w 2308583"/>
+              <a:gd name="connsiteY1" fmla="*/ 0 h 2379788"/>
+              <a:gd name="connsiteX2" fmla="*/ 2022607 w 2308583"/>
+              <a:gd name="connsiteY2" fmla="*/ 2108861 h 2379788"/>
+              <a:gd name="connsiteX3" fmla="*/ 0 w 2308583"/>
+              <a:gd name="connsiteY3" fmla="*/ 2107929 h 2379788"/>
+              <a:gd name="connsiteX4" fmla="*/ 462 w 2308583"/>
+              <a:gd name="connsiteY4" fmla="*/ 2379788 h 2379788"/>
+              <a:gd name="connsiteX5" fmla="*/ 2308583 w 2308583"/>
+              <a:gd name="connsiteY5" fmla="*/ 2379788 h 2379788"/>
+            </a:gdLst>
+            <a:ahLst/>
+            <a:cxnLst>
+              <a:cxn ang="0">
+                <a:pos x="connsiteX0" y="connsiteY0"/>
+              </a:cxn>
+              <a:cxn ang="0">
+                <a:pos x="connsiteX1" y="connsiteY1"/>
+              </a:cxn>
+              <a:cxn ang="0">
+                <a:pos x="connsiteX2" y="connsiteY2"/>
+              </a:cxn>
+              <a:cxn ang="0">
+                <a:pos x="connsiteX3" y="connsiteY3"/>
+              </a:cxn>
+              <a:cxn ang="0">
+                <a:pos x="connsiteX4" y="connsiteY4"/>
+              </a:cxn>
+              <a:cxn ang="0">
+                <a:pos x="connsiteX5" y="connsiteY5"/>
+              </a:cxn>
+            </a:cxnLst>
+            <a:rect l="l" t="t" r="r" b="b"/>
+            <a:pathLst>
+              <a:path w="2308583" h="2379788">
+                <a:moveTo>
+                  <a:pt x="2308583" y="0"/>
+                </a:moveTo>
+                <a:lnTo>
+                  <a:pt x="2022607" y="0"/>
+                </a:lnTo>
+                <a:lnTo>
+                  <a:pt x="2022607" y="2108861"/>
+                </a:lnTo>
+                <a:lnTo>
+                  <a:pt x="0" y="2107929"/>
+                </a:lnTo>
+                <a:cubicBezTo>
+                  <a:pt x="923" y="2201759"/>
+                  <a:pt x="-462" y="2285958"/>
+                  <a:pt x="462" y="2379788"/>
+                </a:cubicBezTo>
+                <a:lnTo>
+                  <a:pt x="2308583" y="2379788"/>
+                </a:lnTo>
+                <a:close/>
+              </a:path>
+            </a:pathLst>
+          </a:custGeom>
+          <a:solidFill>
+            <a:schemeClr val="tx1">
+              <a:lumMod val="65000"/>
+              <a:lumOff val="35000"/>
+            </a:schemeClr>
+          </a:solidFill>
+          <a:ln w="0">
+            <a:noFill/>
+            <a:prstDash val="solid"/>
+            <a:round/>
+            <a:headEnd/>
+            <a:tailEnd/>
+          </a:ln>
+        </p:spPr>
+      </p:sp>
+      <p:sp>
+        <p:nvSpPr>
+          <p:cNvPr id="3" name="Subtitle 2"/>
+          <p:cNvSpPr>
+            <a:spLocks noGrp="1"/>
+          </p:cNvSpPr>
+          <p:nvPr>
+            <p:ph type="subTitle" idx="1"/>
+          </p:nvPr>
+        </p:nvSpPr>
+        <p:spPr>
+          <a:xfrm>
+            <a:off x="903514" y="4735983"/>
+            <a:ext cx="7118268" cy="1538527"/>
+          </a:xfrm>
+        </p:spPr>
+        <p:txBody>
+          <a:bodyPr vert="horz" lIns="91440" tIns="45720" rIns="91440" bIns="45720" rtlCol="0">
+            <a:normAutofit/>
+          </a:bodyPr>
+          <a:lstStyle/>
+          <a:p>
+            <a:pPr indent="-384048" algn="l">
+              <a:lnSpc>
+                <a:spcPct val="94000"/>
+              </a:lnSpc>
+              <a:spcAft>
+                <a:spcPts val="200"/>
+              </a:spcAft>
+              <a:buFont typeface="Franklin Gothic Book" panose="020B0503020102020204" pitchFamily="34" charset="0"/>
+              <a:buChar char="•"/>
+            </a:pPr>
+            <a:endParaRPr lang="en-US"/>
+          </a:p>
+          <a:p>
+            <a:pPr indent="-384048" algn="l">
+              <a:lnSpc>
+                <a:spcPct val="94000"/>
+              </a:lnSpc>
+              <a:spcAft>
+                <a:spcPts val="200"/>
+              </a:spcAft>
+              <a:buFont typeface="Franklin Gothic Book" panose="020B0503020102020204" pitchFamily="34" charset="0"/>
+              <a:buChar char="•"/>
+            </a:pPr>
+            <a:endParaRPr lang="en-US"/>
+          </a:p>
+          <a:p>
+            <a:pPr indent="-384048" algn="l">
+              <a:lnSpc>
+                <a:spcPct val="94000"/>
+              </a:lnSpc>
+              <a:spcAft>
+                <a:spcPts val="200"/>
+              </a:spcAft>
+              <a:buFont typeface="Franklin Gothic Book" panose="020B0503020102020204" pitchFamily="34" charset="0"/>
+              <a:buChar char="•"/>
+            </a:pPr>
+            <a:endParaRPr lang="en-US"/>
+          </a:p>
+          <a:p>
+            <a:pPr indent="-384048" algn="l">
+              <a:lnSpc>
+                <a:spcPct val="94000"/>
+              </a:lnSpc>
+              <a:spcAft>
+                <a:spcPts val="200"/>
+              </a:spcAft>
+              <a:buFont typeface="Franklin Gothic Book" panose="020B0503020102020204" pitchFamily="34" charset="0"/>
+              <a:buChar char="•"/>
+            </a:pPr>
+            <a:endParaRPr lang="en-US"/>
+          </a:p>
+        </p:txBody>
+      </p:sp>
+      <p:sp useBgFill="1">
+        <p:nvSpPr>
+          <p:cNvPr id="27" name="Rectangle 26">
+            <a:extLst>
+              <a:ext uri="{FF2B5EF4-FFF2-40B4-BE49-F238E27FC236}">
+                <a16:creationId xmlns:a16="http://schemas.microsoft.com/office/drawing/2014/main" id="{D8968742-1D40-4F6B-9272-064FD1631BB9}"/>
+              </a:ext>
+              <a:ext uri="{C183D7F6-B498-43B3-948B-1728B52AA6E4}">
+                <adec:decorative xmlns:adec="http://schemas.microsoft.com/office/drawing/2017/decorative" val="1"/>
+              </a:ext>
+            </a:extLst>
+          </p:cNvPr>
+          <p:cNvSpPr>
+            <a:spLocks noGrp="1" noRot="1" noChangeAspect="1" noMove="1" noResize="1" noEditPoints="1" noAdjustHandles="1" noChangeArrowheads="1" noChangeShapeType="1" noTextEdit="1"/>
+          </p:cNvSpPr>
+          <p:nvPr>
+            <p:extLst>
+              <p:ext uri="{386F3935-93C4-4BCD-93E2-E3B085C9AB24}">
+                <p16:designElem xmlns:p16="http://schemas.microsoft.com/office/powerpoint/2015/main" val="1"/>
+              </p:ext>
+            </p:extLst>
+          </p:nvPr>
+        </p:nvSpPr>
+        <p:spPr>
+          <a:xfrm>
+            <a:off x="4430486" y="6453386"/>
+            <a:ext cx="573314" cy="404614"/>
+          </a:xfrm>
+          <a:prstGeom prst="rect">
+            <a:avLst/>
+          </a:prstGeom>
+          <a:ln>
+            <a:noFill/>
+          </a:ln>
+        </p:spPr>
+        <p:style>
+          <a:lnRef idx="2">
+            <a:schemeClr val="accent1">
+              <a:shade val="50000"/>
+            </a:schemeClr>
+          </a:lnRef>
+          <a:fillRef idx="1">
+            <a:schemeClr val="accent1"/>
+          </a:fillRef>
+          <a:effectRef idx="0">
+            <a:schemeClr val="accent1"/>
+          </a:effectRef>
+          <a:fontRef idx="minor">
+            <a:schemeClr val="lt1"/>
+          </a:fontRef>
+        </p:style>
+        <p:txBody>
+          <a:bodyPr rtlCol="0" anchor="ctr"/>
+          <a:lstStyle/>
+          <a:p>
             <a:pPr algn="ctr"/>
-            <a:endParaRPr lang="en-US" dirty="0"/>
-          </a:p>
-        </p:txBody>
-      </p:sp>
-      <p:sp>
-        <p:nvSpPr>
-          <p:cNvPr id="3" name="Content Placeholder 2"/>
-          <p:cNvSpPr>
-            <a:spLocks noGrp="1"/>
-          </p:cNvSpPr>
-          <p:nvPr>
-            <p:ph idx="1"/>
-          </p:nvPr>
-        </p:nvSpPr>
-        <p:spPr/>
-        <p:txBody>
-          <a:bodyPr/>
-          <a:lstStyle/>
-          <a:p>
-            <a:endParaRPr lang="en-US" dirty="0"/>
+            <a:endParaRPr lang="en-US"/>
           </a:p>
         </p:txBody>
       </p:sp>
     </p:spTree>
     <p:extLst>
       <p:ext uri="{BB962C8B-B14F-4D97-AF65-F5344CB8AC3E}">
-        <p14:creationId xmlns:p14="http://schemas.microsoft.com/office/powerpoint/2010/main" val="127961399"/>
+        <p14:creationId xmlns:p14="http://schemas.microsoft.com/office/powerpoint/2010/main" val="2985667429"/>
       </p:ext>
     </p:extLst>
   </p:cSld>
